--- a/enterprise-data-lake-system/DataLakeSolutionArchitectureDiagram.pptx
+++ b/enterprise-data-lake-system/DataLakeSolutionArchitectureDiagram.pptx
@@ -258,6 +258,11 @@
       </a:defRPr>
     </a:lvl9pPr>
   </p:defaultTextStyle>
+  <p:extLst>
+    <p:ext uri="{EFAFB233-063F-42B5-8137-9DF3F51BA10A}">
+      <p15:sldGuideLst xmlns:p15="http://schemas.microsoft.com/office/powerpoint/2012/main"/>
+    </p:ext>
+  </p:extLst>
 </p:presentation>
 </file>
 
@@ -9485,10 +9490,10 @@
               <a:buChar char="●"/>
             </a:pPr>
             <a:r>
-              <a:rPr lang="en" dirty="0"/>
+              <a:rPr lang="en" b="1" dirty="0"/>
               <a:t>Ingesttion layer</a:t>
             </a:r>
-            <a:endParaRPr dirty="0"/>
+            <a:endParaRPr b="1" dirty="0"/>
           </a:p>
           <a:p>
             <a:pPr marL="457200" lvl="0" indent="-317500" algn="l" rtl="0">
@@ -9502,18 +9507,18 @@
               <a:buChar char="●"/>
             </a:pPr>
             <a:r>
-              <a:rPr lang="en" dirty="0"/>
+              <a:rPr lang="en" b="1" dirty="0"/>
               <a:t>St</a:t>
             </a:r>
             <a:r>
-              <a:rPr lang="en-US" dirty="0" err="1"/>
+              <a:rPr lang="en-US" b="1" dirty="0" err="1"/>
               <a:t>orage</a:t>
             </a:r>
             <a:r>
-              <a:rPr lang="en-US" dirty="0"/>
+              <a:rPr lang="en-US" b="1" dirty="0"/>
               <a:t> layer</a:t>
             </a:r>
-            <a:endParaRPr dirty="0"/>
+            <a:endParaRPr b="1" dirty="0"/>
           </a:p>
           <a:p>
             <a:pPr marL="457200" lvl="0" indent="-317500" algn="l" rtl="0">
@@ -9527,7 +9532,7 @@
               <a:buChar char="●"/>
             </a:pPr>
             <a:r>
-              <a:rPr lang="en" dirty="0"/>
+              <a:rPr lang="en" b="1" dirty="0"/>
               <a:t>Processing layer</a:t>
             </a:r>
           </a:p>
@@ -9543,18 +9548,18 @@
               <a:buChar char="●"/>
             </a:pPr>
             <a:r>
-              <a:rPr lang="en" dirty="0"/>
+              <a:rPr lang="en" b="1" dirty="0"/>
               <a:t>S</a:t>
             </a:r>
             <a:r>
-              <a:rPr lang="en-US" dirty="0" err="1"/>
+              <a:rPr lang="en-US" b="1" dirty="0" err="1"/>
               <a:t>erving</a:t>
             </a:r>
             <a:r>
-              <a:rPr lang="en-US" dirty="0"/>
+              <a:rPr lang="en-US" b="1" dirty="0"/>
               <a:t> layer</a:t>
             </a:r>
-            <a:endParaRPr dirty="0"/>
+            <a:endParaRPr b="1" dirty="0"/>
           </a:p>
           <a:p>
             <a:pPr marL="139700" lvl="0" indent="0" algn="l" rtl="0">
@@ -9671,129 +9676,6 @@
           <a:chExt cx="0" cy="0"/>
         </a:xfrm>
       </p:grpSpPr>
-      <p:sp>
-        <p:nvSpPr>
-          <p:cNvPr id="84" name="Google Shape;84;p16"/>
-          <p:cNvSpPr txBox="1">
-            <a:spLocks noGrp="1"/>
-          </p:cNvSpPr>
-          <p:nvPr>
-            <p:ph type="body" idx="1"/>
-          </p:nvPr>
-        </p:nvSpPr>
-        <p:spPr>
-          <a:xfrm>
-            <a:off x="1066775" y="1962650"/>
-            <a:ext cx="7046400" cy="1917300"/>
-          </a:xfrm>
-          <a:prstGeom prst="rect">
-            <a:avLst/>
-          </a:prstGeom>
-        </p:spPr>
-        <p:txBody>
-          <a:bodyPr spcFirstLastPara="1" wrap="square" lIns="91425" tIns="91425" rIns="91425" bIns="91425" anchor="t" anchorCtr="0">
-            <a:noAutofit/>
-          </a:bodyPr>
-          <a:lstStyle/>
-          <a:p>
-            <a:pPr marL="0" lvl="0" indent="0" algn="l" rtl="0">
-              <a:spcBef>
-                <a:spcPts val="0"/>
-              </a:spcBef>
-              <a:spcAft>
-                <a:spcPts val="0"/>
-              </a:spcAft>
-              <a:buNone/>
-            </a:pPr>
-            <a:r>
-              <a:rPr lang="en" dirty="0"/>
-              <a:t>&lt; </a:t>
-            </a:r>
-            <a:r>
-              <a:rPr lang="en" b="1" dirty="0"/>
-              <a:t>Think about:</a:t>
-            </a:r>
-            <a:r>
-              <a:rPr lang="en" dirty="0"/>
-              <a:t> Research if a Data Warehouse can still be a viable solution instead of a Data Lake? What is the difference between both? &gt;</a:t>
-            </a:r>
-            <a:endParaRPr dirty="0"/>
-          </a:p>
-          <a:p>
-            <a:pPr marL="0" lvl="0" indent="0" algn="l" rtl="0">
-              <a:spcBef>
-                <a:spcPts val="0"/>
-              </a:spcBef>
-              <a:spcAft>
-                <a:spcPts val="0"/>
-              </a:spcAft>
-              <a:buNone/>
-            </a:pPr>
-            <a:endParaRPr dirty="0"/>
-          </a:p>
-          <a:p>
-            <a:pPr marL="0" lvl="0" indent="0" algn="l" rtl="0">
-              <a:spcBef>
-                <a:spcPts val="0"/>
-              </a:spcBef>
-              <a:spcAft>
-                <a:spcPts val="0"/>
-              </a:spcAft>
-              <a:buClr>
-                <a:schemeClr val="dk1"/>
-              </a:buClr>
-              <a:buSzPts val="1100"/>
-              <a:buFont typeface="Arial"/>
-              <a:buNone/>
-            </a:pPr>
-            <a:r>
-              <a:rPr lang="en" dirty="0"/>
-              <a:t>&lt; You will complete this information on the next slide. Please provide at least 3 items for each. No need to add any content on this slide &gt;</a:t>
-            </a:r>
-            <a:endParaRPr dirty="0"/>
-          </a:p>
-          <a:p>
-            <a:pPr marL="0" lvl="0" indent="0" algn="l" rtl="0">
-              <a:spcBef>
-                <a:spcPts val="0"/>
-              </a:spcBef>
-              <a:spcAft>
-                <a:spcPts val="0"/>
-              </a:spcAft>
-              <a:buNone/>
-            </a:pPr>
-            <a:r>
-              <a:rPr lang="en" dirty="0"/>
-              <a:t>&lt; Video tip:  While presenting the differences, elaborate why a Data Lake solution makes more sense for Medical Data Processing Company over a Data Warehouse approach? How the Data Lake / Big Data characteristics different from Data warehouse&gt;</a:t>
-            </a:r>
-            <a:endParaRPr dirty="0"/>
-          </a:p>
-          <a:p>
-            <a:pPr marL="0" lvl="0" indent="0" algn="l" rtl="0">
-              <a:spcBef>
-                <a:spcPts val="0"/>
-              </a:spcBef>
-              <a:spcAft>
-                <a:spcPts val="0"/>
-              </a:spcAft>
-              <a:buNone/>
-            </a:pPr>
-            <a:endParaRPr dirty="0"/>
-          </a:p>
-          <a:p>
-            <a:pPr marL="0" lvl="0" indent="0" algn="l" rtl="0">
-              <a:spcBef>
-                <a:spcPts val="0"/>
-              </a:spcBef>
-              <a:spcAft>
-                <a:spcPts val="0"/>
-              </a:spcAft>
-              <a:buNone/>
-            </a:pPr>
-            <a:endParaRPr dirty="0"/>
-          </a:p>
-        </p:txBody>
-      </p:sp>
       <p:sp>
         <p:nvSpPr>
           <p:cNvPr id="85" name="Google Shape;85;p16"/>
@@ -10565,126 +10447,6 @@
       </p:grpSpPr>
       <p:sp>
         <p:nvSpPr>
-          <p:cNvPr id="106" name="Google Shape;106;p19"/>
-          <p:cNvSpPr txBox="1">
-            <a:spLocks noGrp="1"/>
-          </p:cNvSpPr>
-          <p:nvPr>
-            <p:ph type="body" idx="1"/>
-          </p:nvPr>
-        </p:nvSpPr>
-        <p:spPr>
-          <a:xfrm>
-            <a:off x="605400" y="1787750"/>
-            <a:ext cx="7867200" cy="2875500"/>
-          </a:xfrm>
-          <a:prstGeom prst="rect">
-            <a:avLst/>
-          </a:prstGeom>
-        </p:spPr>
-        <p:txBody>
-          <a:bodyPr spcFirstLastPara="1" wrap="square" lIns="91425" tIns="91425" rIns="91425" bIns="91425" anchor="t" anchorCtr="0">
-            <a:noAutofit/>
-          </a:bodyPr>
-          <a:lstStyle/>
-          <a:p>
-            <a:pPr marL="0" lvl="0" indent="0" algn="l" rtl="0">
-              <a:spcBef>
-                <a:spcPts val="0"/>
-              </a:spcBef>
-              <a:spcAft>
-                <a:spcPts val="0"/>
-              </a:spcAft>
-              <a:buNone/>
-            </a:pPr>
-            <a:r>
-              <a:rPr lang="en" dirty="0"/>
-              <a:t>&lt; Embed your Architecture Diagram of Data Lake you created in Step 2. &gt;</a:t>
-            </a:r>
-            <a:endParaRPr dirty="0"/>
-          </a:p>
-          <a:p>
-            <a:pPr marL="0" lvl="0" indent="0" algn="l" rtl="0">
-              <a:spcBef>
-                <a:spcPts val="0"/>
-              </a:spcBef>
-              <a:spcAft>
-                <a:spcPts val="0"/>
-              </a:spcAft>
-              <a:buNone/>
-            </a:pPr>
-            <a:endParaRPr dirty="0"/>
-          </a:p>
-          <a:p>
-            <a:pPr marL="0" lvl="0" indent="0" algn="l" rtl="0">
-              <a:spcBef>
-                <a:spcPts val="0"/>
-              </a:spcBef>
-              <a:spcAft>
-                <a:spcPts val="0"/>
-              </a:spcAft>
-              <a:buNone/>
-            </a:pPr>
-            <a:endParaRPr dirty="0"/>
-          </a:p>
-          <a:p>
-            <a:pPr marL="0" lvl="0" indent="0" algn="l" rtl="0">
-              <a:spcBef>
-                <a:spcPts val="0"/>
-              </a:spcBef>
-              <a:spcAft>
-                <a:spcPts val="0"/>
-              </a:spcAft>
-              <a:buNone/>
-            </a:pPr>
-            <a:r>
-              <a:rPr lang="en" dirty="0"/>
-              <a:t>&lt; Video tip: You can also use additional slides to briefly elaborate or highlight any area from your architecture. You can also choose where to include this slide.</a:t>
-            </a:r>
-            <a:endParaRPr dirty="0"/>
-          </a:p>
-        </p:txBody>
-      </p:sp>
-      <p:sp>
-        <p:nvSpPr>
-          <p:cNvPr id="107" name="Google Shape;107;p19"/>
-          <p:cNvSpPr txBox="1">
-            <a:spLocks noGrp="1"/>
-          </p:cNvSpPr>
-          <p:nvPr>
-            <p:ph type="subTitle" idx="2"/>
-          </p:nvPr>
-        </p:nvSpPr>
-        <p:spPr>
-          <a:xfrm>
-            <a:off x="605400" y="1180500"/>
-            <a:ext cx="7933200" cy="473400"/>
-          </a:xfrm>
-          <a:prstGeom prst="rect">
-            <a:avLst/>
-          </a:prstGeom>
-        </p:spPr>
-        <p:txBody>
-          <a:bodyPr spcFirstLastPara="1" wrap="square" lIns="91425" tIns="91425" rIns="91425" bIns="91425" anchor="t" anchorCtr="0">
-            <a:noAutofit/>
-          </a:bodyPr>
-          <a:lstStyle/>
-          <a:p>
-            <a:pPr marL="0" lvl="0" indent="0" algn="l" rtl="0">
-              <a:spcBef>
-                <a:spcPts val="0"/>
-              </a:spcBef>
-              <a:spcAft>
-                <a:spcPts val="0"/>
-              </a:spcAft>
-              <a:buNone/>
-            </a:pPr>
-            <a:endParaRPr/>
-          </a:p>
-        </p:txBody>
-      </p:sp>
-      <p:sp>
-        <p:nvSpPr>
           <p:cNvPr id="108" name="Google Shape;108;p19"/>
           <p:cNvSpPr txBox="1">
             <a:spLocks noGrp="1"/>
@@ -10725,6 +10487,36 @@
           </a:p>
         </p:txBody>
       </p:sp>
+      <p:pic>
+        <p:nvPicPr>
+          <p:cNvPr id="3" name="Picture 2">
+            <a:extLst>
+              <a:ext uri="{FF2B5EF4-FFF2-40B4-BE49-F238E27FC236}">
+                <a16:creationId xmlns:a16="http://schemas.microsoft.com/office/drawing/2014/main" id="{A7006CC7-8459-400E-AEC7-ADBCD7234894}"/>
+              </a:ext>
+            </a:extLst>
+          </p:cNvPr>
+          <p:cNvPicPr>
+            <a:picLocks noChangeAspect="1"/>
+          </p:cNvPicPr>
+          <p:nvPr/>
+        </p:nvPicPr>
+        <p:blipFill>
+          <a:blip r:embed="rId3"/>
+          <a:stretch>
+            <a:fillRect/>
+          </a:stretch>
+        </p:blipFill>
+        <p:spPr>
+          <a:xfrm>
+            <a:off x="1703295" y="1102941"/>
+            <a:ext cx="5558117" cy="3566609"/>
+          </a:xfrm>
+          <a:prstGeom prst="rect">
+            <a:avLst/>
+          </a:prstGeom>
+        </p:spPr>
+      </p:pic>
     </p:spTree>
   </p:cSld>
   <p:clrMapOvr>

--- a/enterprise-data-lake-system/DataLakeSolutionArchitectureDiagram.pptx
+++ b/enterprise-data-lake-system/DataLakeSolutionArchitectureDiagram.pptx
@@ -10489,10 +10489,10 @@
       </p:sp>
       <p:pic>
         <p:nvPicPr>
-          <p:cNvPr id="3" name="Picture 2">
+          <p:cNvPr id="4" name="Picture 3">
             <a:extLst>
               <a:ext uri="{FF2B5EF4-FFF2-40B4-BE49-F238E27FC236}">
-                <a16:creationId xmlns:a16="http://schemas.microsoft.com/office/drawing/2014/main" id="{A7006CC7-8459-400E-AEC7-ADBCD7234894}"/>
+                <a16:creationId xmlns:a16="http://schemas.microsoft.com/office/drawing/2014/main" id="{A90BAC50-AE62-4B5B-BA95-95F11592C2A2}"/>
               </a:ext>
             </a:extLst>
           </p:cNvPr>
@@ -10509,8 +10509,8 @@
         </p:blipFill>
         <p:spPr>
           <a:xfrm>
-            <a:off x="1703295" y="1102941"/>
-            <a:ext cx="5558117" cy="3566609"/>
+            <a:off x="1681291" y="910260"/>
+            <a:ext cx="5781417" cy="3700612"/>
           </a:xfrm>
           <a:prstGeom prst="rect">
             <a:avLst/>
